--- a/Презентация.pptx
+++ b/Презентация.pptx
@@ -894,7 +894,7 @@
   <p:cSld>
     <p:spTree>
       <p:nvGrpSpPr>
-        <p:cNvPr id="62" name="Shape 62"/>
+        <p:cNvPr id="64" name="Shape 64"/>
         <p:cNvGrpSpPr/>
         <p:nvPr/>
       </p:nvGrpSpPr>
@@ -908,7 +908,7 @@
       </p:grpSpPr>
       <p:sp>
         <p:nvSpPr>
-          <p:cNvPr id="63" name="Google Shape;63;g32bcf7881f0_0_5:notes"/>
+          <p:cNvPr id="65" name="Google Shape;65;g32bcf7881f0_0_5:notes"/>
           <p:cNvSpPr/>
           <p:nvPr>
             <p:ph idx="2" type="sldImg"/>
@@ -943,7 +943,7 @@
       </p:sp>
       <p:sp>
         <p:nvSpPr>
-          <p:cNvPr id="64" name="Google Shape;64;g32bcf7881f0_0_5:notes"/>
+          <p:cNvPr id="66" name="Google Shape;66;g32bcf7881f0_0_5:notes"/>
           <p:cNvSpPr txBox="1"/>
           <p:nvPr>
             <p:ph idx="1" type="body"/>
@@ -993,7 +993,7 @@
   <p:cSld>
     <p:spTree>
       <p:nvGrpSpPr>
-        <p:cNvPr id="68" name="Shape 68"/>
+        <p:cNvPr id="72" name="Shape 72"/>
         <p:cNvGrpSpPr/>
         <p:nvPr/>
       </p:nvGrpSpPr>
@@ -1007,7 +1007,7 @@
       </p:grpSpPr>
       <p:sp>
         <p:nvSpPr>
-          <p:cNvPr id="69" name="Google Shape;69;g32bcf7881f0_0_25:notes"/>
+          <p:cNvPr id="73" name="Google Shape;73;g32bcf7881f0_0_25:notes"/>
           <p:cNvSpPr/>
           <p:nvPr>
             <p:ph idx="2" type="sldImg"/>
@@ -1042,7 +1042,7 @@
       </p:sp>
       <p:sp>
         <p:nvSpPr>
-          <p:cNvPr id="70" name="Google Shape;70;g32bcf7881f0_0_25:notes"/>
+          <p:cNvPr id="74" name="Google Shape;74;g32bcf7881f0_0_25:notes"/>
           <p:cNvSpPr txBox="1"/>
           <p:nvPr>
             <p:ph idx="1" type="body"/>
@@ -1092,7 +1092,7 @@
   <p:cSld>
     <p:spTree>
       <p:nvGrpSpPr>
-        <p:cNvPr id="74" name="Shape 74"/>
+        <p:cNvPr id="79" name="Shape 79"/>
         <p:cNvGrpSpPr/>
         <p:nvPr/>
       </p:nvGrpSpPr>
@@ -1106,7 +1106,7 @@
       </p:grpSpPr>
       <p:sp>
         <p:nvSpPr>
-          <p:cNvPr id="75" name="Google Shape;75;g32bcf7881f0_0_10:notes"/>
+          <p:cNvPr id="80" name="Google Shape;80;g32bcf7881f0_0_10:notes"/>
           <p:cNvSpPr/>
           <p:nvPr>
             <p:ph idx="2" type="sldImg"/>
@@ -1141,7 +1141,7 @@
       </p:sp>
       <p:sp>
         <p:nvSpPr>
-          <p:cNvPr id="76" name="Google Shape;76;g32bcf7881f0_0_10:notes"/>
+          <p:cNvPr id="81" name="Google Shape;81;g32bcf7881f0_0_10:notes"/>
           <p:cNvSpPr txBox="1"/>
           <p:nvPr>
             <p:ph idx="1" type="body"/>
@@ -1191,7 +1191,7 @@
   <p:cSld>
     <p:spTree>
       <p:nvGrpSpPr>
-        <p:cNvPr id="80" name="Shape 80"/>
+        <p:cNvPr id="86" name="Shape 86"/>
         <p:cNvGrpSpPr/>
         <p:nvPr/>
       </p:nvGrpSpPr>
@@ -1205,7 +1205,7 @@
       </p:grpSpPr>
       <p:sp>
         <p:nvSpPr>
-          <p:cNvPr id="81" name="Google Shape;81;g32bcf7881f0_0_20:notes"/>
+          <p:cNvPr id="87" name="Google Shape;87;g32bcf7881f0_0_20:notes"/>
           <p:cNvSpPr/>
           <p:nvPr>
             <p:ph idx="2" type="sldImg"/>
@@ -1240,7 +1240,7 @@
       </p:sp>
       <p:sp>
         <p:nvSpPr>
-          <p:cNvPr id="82" name="Google Shape;82;g32bcf7881f0_0_20:notes"/>
+          <p:cNvPr id="88" name="Google Shape;88;g32bcf7881f0_0_20:notes"/>
           <p:cNvSpPr txBox="1"/>
           <p:nvPr>
             <p:ph idx="1" type="body"/>
@@ -6144,6 +6144,84 @@
           </a:p>
         </p:txBody>
       </p:sp>
+      <p:pic>
+        <p:nvPicPr>
+          <p:cNvPr id="62" name="Google Shape;62;p14"/>
+          <p:cNvPicPr preferRelativeResize="0"/>
+          <p:nvPr/>
+        </p:nvPicPr>
+        <p:blipFill>
+          <a:blip r:embed="rId3">
+            <a:alphaModFix/>
+          </a:blip>
+          <a:stretch>
+            <a:fillRect/>
+          </a:stretch>
+        </p:blipFill>
+        <p:spPr>
+          <a:xfrm>
+            <a:off x="141826" y="2183650"/>
+            <a:ext cx="3763474" cy="2959725"/>
+          </a:xfrm>
+          <a:prstGeom prst="rect">
+            <a:avLst/>
+          </a:prstGeom>
+          <a:noFill/>
+          <a:ln>
+            <a:noFill/>
+          </a:ln>
+        </p:spPr>
+      </p:pic>
+      <p:sp>
+        <p:nvSpPr>
+          <p:cNvPr id="63" name="Google Shape;63;p14"/>
+          <p:cNvSpPr txBox="1"/>
+          <p:nvPr/>
+        </p:nvSpPr>
+        <p:spPr>
+          <a:xfrm>
+            <a:off x="4496550" y="2387425"/>
+            <a:ext cx="3950700" cy="930900"/>
+          </a:xfrm>
+          <a:prstGeom prst="rect">
+            <a:avLst/>
+          </a:prstGeom>
+          <a:noFill/>
+          <a:ln>
+            <a:noFill/>
+          </a:ln>
+        </p:spPr>
+        <p:txBody>
+          <a:bodyPr anchorCtr="0" anchor="t" bIns="91425" lIns="91425" spcFirstLastPara="1" rIns="91425" wrap="square" tIns="91425">
+            <a:noAutofit/>
+          </a:bodyPr>
+          <a:lstStyle/>
+          <a:p>
+            <a:pPr indent="0" lvl="0" marL="0" rtl="0" algn="l">
+              <a:spcBef>
+                <a:spcPts val="0"/>
+              </a:spcBef>
+              <a:spcAft>
+                <a:spcPts val="0"/>
+              </a:spcAft>
+              <a:buNone/>
+            </a:pPr>
+            <a:r>
+              <a:rPr lang="ru" sz="1800">
+                <a:solidFill>
+                  <a:schemeClr val="dk2"/>
+                </a:solidFill>
+              </a:rPr>
+              <a:t>Начальное меню</a:t>
+            </a:r>
+            <a:endParaRPr sz="1800">
+              <a:solidFill>
+                <a:schemeClr val="dk2"/>
+              </a:solidFill>
+            </a:endParaRPr>
+          </a:p>
+        </p:txBody>
+      </p:sp>
     </p:spTree>
   </p:cSld>
   <p:clrMapOvr>
@@ -6157,7 +6235,7 @@
   <p:cSld>
     <p:spTree>
       <p:nvGrpSpPr>
-        <p:cNvPr id="65" name="Shape 65"/>
+        <p:cNvPr id="67" name="Shape 67"/>
         <p:cNvGrpSpPr/>
         <p:nvPr/>
       </p:nvGrpSpPr>
@@ -6171,7 +6249,7 @@
       </p:grpSpPr>
       <p:sp>
         <p:nvSpPr>
-          <p:cNvPr id="66" name="Google Shape;66;p15"/>
+          <p:cNvPr id="68" name="Google Shape;68;p15"/>
           <p:cNvSpPr txBox="1"/>
           <p:nvPr>
             <p:ph type="title"/>
@@ -6211,7 +6289,7 @@
       </p:sp>
       <p:sp>
         <p:nvSpPr>
-          <p:cNvPr id="67" name="Google Shape;67;p15"/>
+          <p:cNvPr id="69" name="Google Shape;69;p15"/>
           <p:cNvSpPr txBox="1"/>
           <p:nvPr>
             <p:ph idx="1" type="body"/>
@@ -6432,6 +6510,62 @@
           </a:p>
         </p:txBody>
       </p:sp>
+      <p:pic>
+        <p:nvPicPr>
+          <p:cNvPr id="70" name="Google Shape;70;p15"/>
+          <p:cNvPicPr preferRelativeResize="0"/>
+          <p:nvPr/>
+        </p:nvPicPr>
+        <p:blipFill>
+          <a:blip r:embed="rId3">
+            <a:alphaModFix/>
+          </a:blip>
+          <a:stretch>
+            <a:fillRect/>
+          </a:stretch>
+        </p:blipFill>
+        <p:spPr>
+          <a:xfrm>
+            <a:off x="5058520" y="182825"/>
+            <a:ext cx="3047024" cy="2388925"/>
+          </a:xfrm>
+          <a:prstGeom prst="rect">
+            <a:avLst/>
+          </a:prstGeom>
+          <a:noFill/>
+          <a:ln>
+            <a:noFill/>
+          </a:ln>
+        </p:spPr>
+      </p:pic>
+      <p:pic>
+        <p:nvPicPr>
+          <p:cNvPr id="71" name="Google Shape;71;p15"/>
+          <p:cNvPicPr preferRelativeResize="0"/>
+          <p:nvPr/>
+        </p:nvPicPr>
+        <p:blipFill>
+          <a:blip r:embed="rId4">
+            <a:alphaModFix/>
+          </a:blip>
+          <a:stretch>
+            <a:fillRect/>
+          </a:stretch>
+        </p:blipFill>
+        <p:spPr>
+          <a:xfrm>
+            <a:off x="5058525" y="2743971"/>
+            <a:ext cx="3047026" cy="2399528"/>
+          </a:xfrm>
+          <a:prstGeom prst="rect">
+            <a:avLst/>
+          </a:prstGeom>
+          <a:noFill/>
+          <a:ln>
+            <a:noFill/>
+          </a:ln>
+        </p:spPr>
+      </p:pic>
     </p:spTree>
   </p:cSld>
   <p:clrMapOvr>
@@ -6445,7 +6579,7 @@
   <p:cSld>
     <p:spTree>
       <p:nvGrpSpPr>
-        <p:cNvPr id="71" name="Shape 71"/>
+        <p:cNvPr id="75" name="Shape 75"/>
         <p:cNvGrpSpPr/>
         <p:nvPr/>
       </p:nvGrpSpPr>
@@ -6459,7 +6593,7 @@
       </p:grpSpPr>
       <p:sp>
         <p:nvSpPr>
-          <p:cNvPr id="72" name="Google Shape;72;p16"/>
+          <p:cNvPr id="76" name="Google Shape;76;p16"/>
           <p:cNvSpPr txBox="1"/>
           <p:nvPr>
             <p:ph type="title"/>
@@ -6499,7 +6633,7 @@
       </p:sp>
       <p:sp>
         <p:nvSpPr>
-          <p:cNvPr id="73" name="Google Shape;73;p16"/>
+          <p:cNvPr id="77" name="Google Shape;77;p16"/>
           <p:cNvSpPr txBox="1"/>
           <p:nvPr>
             <p:ph idx="1" type="body"/>
@@ -6553,6 +6687,34 @@
           </a:p>
         </p:txBody>
       </p:sp>
+      <p:pic>
+        <p:nvPicPr>
+          <p:cNvPr id="78" name="Google Shape;78;p16"/>
+          <p:cNvPicPr preferRelativeResize="0"/>
+          <p:nvPr/>
+        </p:nvPicPr>
+        <p:blipFill>
+          <a:blip r:embed="rId3">
+            <a:alphaModFix/>
+          </a:blip>
+          <a:stretch>
+            <a:fillRect/>
+          </a:stretch>
+        </p:blipFill>
+        <p:spPr>
+          <a:xfrm>
+            <a:off x="4350375" y="1624450"/>
+            <a:ext cx="4312313" cy="3416401"/>
+          </a:xfrm>
+          <a:prstGeom prst="rect">
+            <a:avLst/>
+          </a:prstGeom>
+          <a:noFill/>
+          <a:ln>
+            <a:noFill/>
+          </a:ln>
+        </p:spPr>
+      </p:pic>
     </p:spTree>
   </p:cSld>
   <p:clrMapOvr>
@@ -6566,7 +6728,7 @@
   <p:cSld>
     <p:spTree>
       <p:nvGrpSpPr>
-        <p:cNvPr id="77" name="Shape 77"/>
+        <p:cNvPr id="82" name="Shape 82"/>
         <p:cNvGrpSpPr/>
         <p:nvPr/>
       </p:nvGrpSpPr>
@@ -6580,7 +6742,7 @@
       </p:grpSpPr>
       <p:sp>
         <p:nvSpPr>
-          <p:cNvPr id="78" name="Google Shape;78;p17"/>
+          <p:cNvPr id="83" name="Google Shape;83;p17"/>
           <p:cNvSpPr txBox="1"/>
           <p:nvPr>
             <p:ph type="title"/>
@@ -6620,7 +6782,7 @@
       </p:sp>
       <p:sp>
         <p:nvSpPr>
-          <p:cNvPr id="79" name="Google Shape;79;p17"/>
+          <p:cNvPr id="84" name="Google Shape;84;p17"/>
           <p:cNvSpPr txBox="1"/>
           <p:nvPr>
             <p:ph idx="1" type="body"/>
@@ -6961,6 +7123,34 @@
           </a:p>
         </p:txBody>
       </p:sp>
+      <p:pic>
+        <p:nvPicPr>
+          <p:cNvPr id="85" name="Google Shape;85;p17"/>
+          <p:cNvPicPr preferRelativeResize="0"/>
+          <p:nvPr/>
+        </p:nvPicPr>
+        <p:blipFill>
+          <a:blip r:embed="rId3">
+            <a:alphaModFix/>
+          </a:blip>
+          <a:stretch>
+            <a:fillRect/>
+          </a:stretch>
+        </p:blipFill>
+        <p:spPr>
+          <a:xfrm>
+            <a:off x="4341046" y="1152475"/>
+            <a:ext cx="4491250" cy="3551350"/>
+          </a:xfrm>
+          <a:prstGeom prst="rect">
+            <a:avLst/>
+          </a:prstGeom>
+          <a:noFill/>
+          <a:ln>
+            <a:noFill/>
+          </a:ln>
+        </p:spPr>
+      </p:pic>
     </p:spTree>
   </p:cSld>
   <p:clrMapOvr>
@@ -6974,7 +7164,7 @@
   <p:cSld>
     <p:spTree>
       <p:nvGrpSpPr>
-        <p:cNvPr id="83" name="Shape 83"/>
+        <p:cNvPr id="89" name="Shape 89"/>
         <p:cNvGrpSpPr/>
         <p:nvPr/>
       </p:nvGrpSpPr>
@@ -6988,7 +7178,7 @@
       </p:grpSpPr>
       <p:sp>
         <p:nvSpPr>
-          <p:cNvPr id="84" name="Google Shape;84;p18"/>
+          <p:cNvPr id="90" name="Google Shape;90;p18"/>
           <p:cNvSpPr txBox="1"/>
           <p:nvPr>
             <p:ph type="title"/>
@@ -7028,7 +7218,7 @@
       </p:sp>
       <p:sp>
         <p:nvSpPr>
-          <p:cNvPr id="85" name="Google Shape;85;p18"/>
+          <p:cNvPr id="91" name="Google Shape;91;p18"/>
           <p:cNvSpPr txBox="1"/>
           <p:nvPr>
             <p:ph idx="1" type="body"/>
